--- a/HTML+CSS/Lesson 15 - Styling Image.pptx
+++ b/HTML+CSS/Lesson 15 - Styling Image.pptx
@@ -209,7 +209,7 @@
           <a:p>
             <a:fld id="{F99ECF56-6E28-4418-921D-E19EAFEB1C6B}" type="datetimeFigureOut">
               <a:rPr lang="en-SG" smtClean="0"/>
-              <a:t>24/4/2021</a:t>
+              <a:t>8/5/2021</a:t>
             </a:fld>
             <a:endParaRPr lang="en-SG"/>
           </a:p>
@@ -1158,7 +1158,7 @@
           <a:p>
             <a:fld id="{02AC24A9-CCB6-4F8D-B8DB-C2F3692CFA5A}" type="datetimeFigureOut">
               <a:rPr lang="en-US" smtClean="0"/>
-              <a:t>4/24/2021</a:t>
+              <a:t>5/8/2021</a:t>
             </a:fld>
             <a:endParaRPr lang="en-US" dirty="0"/>
           </a:p>
@@ -1528,7 +1528,7 @@
           <a:p>
             <a:fld id="{02AC24A9-CCB6-4F8D-B8DB-C2F3692CFA5A}" type="datetimeFigureOut">
               <a:rPr lang="en-US" smtClean="0"/>
-              <a:t>4/24/2021</a:t>
+              <a:t>5/8/2021</a:t>
             </a:fld>
             <a:endParaRPr lang="en-US"/>
           </a:p>
@@ -1737,7 +1737,7 @@
           <a:p>
             <a:fld id="{02AC24A9-CCB6-4F8D-B8DB-C2F3692CFA5A}" type="datetimeFigureOut">
               <a:rPr lang="en-US" smtClean="0"/>
-              <a:t>4/24/2021</a:t>
+              <a:t>5/8/2021</a:t>
             </a:fld>
             <a:endParaRPr lang="en-US"/>
           </a:p>
@@ -2207,7 +2207,7 @@
           <a:p>
             <a:fld id="{02AC24A9-CCB6-4F8D-B8DB-C2F3692CFA5A}" type="datetimeFigureOut">
               <a:rPr lang="en-US" smtClean="0"/>
-              <a:t>4/24/2021</a:t>
+              <a:t>5/8/2021</a:t>
             </a:fld>
             <a:endParaRPr lang="en-US"/>
           </a:p>
@@ -2661,7 +2661,7 @@
           <a:p>
             <a:fld id="{02AC24A9-CCB6-4F8D-B8DB-C2F3692CFA5A}" type="datetimeFigureOut">
               <a:rPr lang="en-US" smtClean="0"/>
-              <a:t>4/24/2021</a:t>
+              <a:t>5/8/2021</a:t>
             </a:fld>
             <a:endParaRPr lang="en-US"/>
           </a:p>
@@ -3193,7 +3193,7 @@
           <a:p>
             <a:fld id="{02AC24A9-CCB6-4F8D-B8DB-C2F3692CFA5A}" type="datetimeFigureOut">
               <a:rPr lang="en-US" smtClean="0"/>
-              <a:t>4/24/2021</a:t>
+              <a:t>5/8/2021</a:t>
             </a:fld>
             <a:endParaRPr lang="en-US"/>
           </a:p>
@@ -3892,7 +3892,7 @@
           <a:p>
             <a:fld id="{02AC24A9-CCB6-4F8D-B8DB-C2F3692CFA5A}" type="datetimeFigureOut">
               <a:rPr lang="en-US" smtClean="0"/>
-              <a:t>4/24/2021</a:t>
+              <a:t>5/8/2021</a:t>
             </a:fld>
             <a:endParaRPr lang="en-US"/>
           </a:p>
@@ -4221,7 +4221,7 @@
           <a:p>
             <a:fld id="{02AC24A9-CCB6-4F8D-B8DB-C2F3692CFA5A}" type="datetimeFigureOut">
               <a:rPr lang="en-US" smtClean="0"/>
-              <a:t>4/24/2021</a:t>
+              <a:t>5/8/2021</a:t>
             </a:fld>
             <a:endParaRPr lang="en-US"/>
           </a:p>
@@ -4334,7 +4334,7 @@
           <a:p>
             <a:fld id="{02AC24A9-CCB6-4F8D-B8DB-C2F3692CFA5A}" type="datetimeFigureOut">
               <a:rPr lang="en-US" smtClean="0"/>
-              <a:t>4/24/2021</a:t>
+              <a:t>5/8/2021</a:t>
             </a:fld>
             <a:endParaRPr lang="en-US"/>
           </a:p>
@@ -4829,7 +4829,7 @@
           <a:p>
             <a:fld id="{02AC24A9-CCB6-4F8D-B8DB-C2F3692CFA5A}" type="datetimeFigureOut">
               <a:rPr lang="en-US" smtClean="0"/>
-              <a:t>4/24/2021</a:t>
+              <a:t>5/8/2021</a:t>
             </a:fld>
             <a:endParaRPr lang="en-US" dirty="0"/>
           </a:p>
@@ -5306,7 +5306,7 @@
           <a:p>
             <a:fld id="{02AC24A9-CCB6-4F8D-B8DB-C2F3692CFA5A}" type="datetimeFigureOut">
               <a:rPr lang="en-US" smtClean="0"/>
-              <a:t>4/24/2021</a:t>
+              <a:t>5/8/2021</a:t>
             </a:fld>
             <a:endParaRPr lang="en-US"/>
           </a:p>
@@ -5549,7 +5549,7 @@
           <a:p>
             <a:fld id="{02AC24A9-CCB6-4F8D-B8DB-C2F3692CFA5A}" type="datetimeFigureOut">
               <a:rPr lang="en-US" smtClean="0"/>
-              <a:t>4/24/2021</a:t>
+              <a:t>5/8/2021</a:t>
             </a:fld>
             <a:endParaRPr lang="en-US"/>
           </a:p>
@@ -7925,34 +7925,6 @@
           <a:chExt cx="0" cy="0"/>
         </a:xfrm>
       </p:grpSpPr>
-      <p:sp>
-        <p:nvSpPr>
-          <p:cNvPr id="2" name="Title 1">
-            <a:extLst>
-              <a:ext uri="{FF2B5EF4-FFF2-40B4-BE49-F238E27FC236}">
-                <a16:creationId xmlns:a16="http://schemas.microsoft.com/office/drawing/2014/main" id="{4EFE51F3-86BE-4982-86B4-C88F7F40536D}"/>
-              </a:ext>
-            </a:extLst>
-          </p:cNvPr>
-          <p:cNvSpPr>
-            <a:spLocks noGrp="1"/>
-          </p:cNvSpPr>
-          <p:nvPr>
-            <p:ph type="title"/>
-          </p:nvPr>
-        </p:nvSpPr>
-        <p:spPr/>
-        <p:txBody>
-          <a:bodyPr/>
-          <a:lstStyle/>
-          <a:p>
-            <a:r>
-              <a:rPr lang="en-SG" dirty="0"/>
-              <a:t>Fade in descriptions</a:t>
-            </a:r>
-          </a:p>
-        </p:txBody>
-      </p:sp>
       <p:pic>
         <p:nvPicPr>
           <p:cNvPr id="5" name="Content Placeholder 4">
@@ -7982,6 +7954,34 @@
           </a:xfrm>
         </p:spPr>
       </p:pic>
+      <p:sp>
+        <p:nvSpPr>
+          <p:cNvPr id="2" name="Title 1">
+            <a:extLst>
+              <a:ext uri="{FF2B5EF4-FFF2-40B4-BE49-F238E27FC236}">
+                <a16:creationId xmlns:a16="http://schemas.microsoft.com/office/drawing/2014/main" id="{4EFE51F3-86BE-4982-86B4-C88F7F40536D}"/>
+              </a:ext>
+            </a:extLst>
+          </p:cNvPr>
+          <p:cNvSpPr>
+            <a:spLocks noGrp="1"/>
+          </p:cNvSpPr>
+          <p:nvPr>
+            <p:ph type="title"/>
+          </p:nvPr>
+        </p:nvSpPr>
+        <p:spPr/>
+        <p:txBody>
+          <a:bodyPr/>
+          <a:lstStyle/>
+          <a:p>
+            <a:r>
+              <a:rPr lang="en-SG" dirty="0"/>
+              <a:t>Fade in descriptions</a:t>
+            </a:r>
+          </a:p>
+        </p:txBody>
+      </p:sp>
       <p:pic>
         <p:nvPicPr>
           <p:cNvPr id="7" name="Picture 6">
